--- a/Documentos/RNF.pptx
+++ b/Documentos/RNF.pptx
@@ -19,8 +19,9 @@
     <p:sldId id="266" r:id="rId13"/>
     <p:sldId id="268" r:id="rId14"/>
     <p:sldId id="269" r:id="rId15"/>
-    <p:sldId id="270" r:id="rId16"/>
-    <p:sldId id="271" r:id="rId17"/>
+    <p:sldId id="272" r:id="rId16"/>
+    <p:sldId id="270" r:id="rId17"/>
+    <p:sldId id="271" r:id="rId18"/>
   </p:sldIdLst>
   <p:sldSz cx="12192000" cy="6858000"/>
   <p:notesSz cx="6858000" cy="9144000"/>
@@ -315,7 +316,7 @@
           <a:p>
             <a:fld id="{3879AECE-A368-4EAB-B957-94611AB53746}" type="datetimeFigureOut">
               <a:rPr lang="es-419" smtClean="0"/>
-              <a:t>19/9/2020</a:t>
+              <a:t>25/9/20</a:t>
             </a:fld>
             <a:endParaRPr lang="es-419"/>
           </a:p>
@@ -444,7 +445,7 @@
           <a:p>
             <a:fld id="{EC811658-D927-467F-B011-51104F8BCF61}" type="slidenum">
               <a:rPr lang="es-419" smtClean="0"/>
-              <a:t>‹Nº›</a:t>
+              <a:t>‹#›</a:t>
             </a:fld>
             <a:endParaRPr lang="es-419"/>
           </a:p>
@@ -653,7 +654,7 @@
           <a:p>
             <a:fld id="{3879AECE-A368-4EAB-B957-94611AB53746}" type="datetimeFigureOut">
               <a:rPr lang="es-419" smtClean="0"/>
-              <a:t>19/9/2020</a:t>
+              <a:t>25/9/20</a:t>
             </a:fld>
             <a:endParaRPr lang="es-419"/>
           </a:p>
@@ -782,7 +783,7 @@
           <a:p>
             <a:fld id="{EC811658-D927-467F-B011-51104F8BCF61}" type="slidenum">
               <a:rPr lang="es-419" smtClean="0"/>
-              <a:t>‹Nº›</a:t>
+              <a:t>‹#›</a:t>
             </a:fld>
             <a:endParaRPr lang="es-419"/>
           </a:p>
@@ -1054,7 +1055,7 @@
           <a:p>
             <a:fld id="{3879AECE-A368-4EAB-B957-94611AB53746}" type="datetimeFigureOut">
               <a:rPr lang="es-419" smtClean="0"/>
-              <a:t>19/9/2020</a:t>
+              <a:t>25/9/20</a:t>
             </a:fld>
             <a:endParaRPr lang="es-419"/>
           </a:p>
@@ -1183,7 +1184,7 @@
           <a:p>
             <a:fld id="{EC811658-D927-467F-B011-51104F8BCF61}" type="slidenum">
               <a:rPr lang="es-419" smtClean="0"/>
-              <a:t>‹Nº›</a:t>
+              <a:t>‹#›</a:t>
             </a:fld>
             <a:endParaRPr lang="es-419"/>
           </a:p>
@@ -1390,7 +1391,7 @@
           <a:p>
             <a:fld id="{3879AECE-A368-4EAB-B957-94611AB53746}" type="datetimeFigureOut">
               <a:rPr lang="es-419" smtClean="0"/>
-              <a:t>19/9/2020</a:t>
+              <a:t>25/9/20</a:t>
             </a:fld>
             <a:endParaRPr lang="es-419"/>
           </a:p>
@@ -1519,7 +1520,7 @@
           <a:p>
             <a:fld id="{EC811658-D927-467F-B011-51104F8BCF61}" type="slidenum">
               <a:rPr lang="es-419" smtClean="0"/>
-              <a:t>‹Nº›</a:t>
+              <a:t>‹#›</a:t>
             </a:fld>
             <a:endParaRPr lang="es-419"/>
           </a:p>
@@ -1710,7 +1711,7 @@
           <a:p>
             <a:fld id="{3879AECE-A368-4EAB-B957-94611AB53746}" type="datetimeFigureOut">
               <a:rPr lang="es-419" smtClean="0"/>
-              <a:t>19/9/2020</a:t>
+              <a:t>25/9/20</a:t>
             </a:fld>
             <a:endParaRPr lang="es-419"/>
           </a:p>
@@ -1839,7 +1840,7 @@
           <a:p>
             <a:fld id="{EC811658-D927-467F-B011-51104F8BCF61}" type="slidenum">
               <a:rPr lang="es-419" smtClean="0"/>
-              <a:t>‹Nº›</a:t>
+              <a:t>‹#›</a:t>
             </a:fld>
             <a:endParaRPr lang="es-419"/>
           </a:p>
@@ -2106,7 +2107,7 @@
           <a:p>
             <a:fld id="{3879AECE-A368-4EAB-B957-94611AB53746}" type="datetimeFigureOut">
               <a:rPr lang="es-419" smtClean="0"/>
-              <a:t>19/9/2020</a:t>
+              <a:t>25/9/20</a:t>
             </a:fld>
             <a:endParaRPr lang="es-419"/>
           </a:p>
@@ -2235,7 +2236,7 @@
           <a:p>
             <a:fld id="{EC811658-D927-467F-B011-51104F8BCF61}" type="slidenum">
               <a:rPr lang="es-419" smtClean="0"/>
-              <a:t>‹Nº›</a:t>
+              <a:t>‹#›</a:t>
             </a:fld>
             <a:endParaRPr lang="es-419"/>
           </a:p>
@@ -2363,7 +2364,7 @@
           <a:p>
             <a:fld id="{3879AECE-A368-4EAB-B957-94611AB53746}" type="datetimeFigureOut">
               <a:rPr lang="es-419" smtClean="0"/>
-              <a:t>19/9/2020</a:t>
+              <a:t>25/9/20</a:t>
             </a:fld>
             <a:endParaRPr lang="es-419"/>
           </a:p>
@@ -2487,7 +2488,7 @@
           <a:p>
             <a:fld id="{EC811658-D927-467F-B011-51104F8BCF61}" type="slidenum">
               <a:rPr lang="es-419" smtClean="0"/>
-              <a:t>‹Nº›</a:t>
+              <a:t>‹#›</a:t>
             </a:fld>
             <a:endParaRPr lang="es-419"/>
           </a:p>
@@ -2625,7 +2626,7 @@
           <a:p>
             <a:fld id="{3879AECE-A368-4EAB-B957-94611AB53746}" type="datetimeFigureOut">
               <a:rPr lang="es-419" smtClean="0"/>
-              <a:t>19/9/2020</a:t>
+              <a:t>25/9/20</a:t>
             </a:fld>
             <a:endParaRPr lang="es-419"/>
           </a:p>
@@ -2749,7 +2750,7 @@
           <a:p>
             <a:fld id="{EC811658-D927-467F-B011-51104F8BCF61}" type="slidenum">
               <a:rPr lang="es-419" smtClean="0"/>
-              <a:t>‹Nº›</a:t>
+              <a:t>‹#›</a:t>
             </a:fld>
             <a:endParaRPr lang="es-419"/>
           </a:p>
@@ -2887,7 +2888,7 @@
           <a:p>
             <a:fld id="{3879AECE-A368-4EAB-B957-94611AB53746}" type="datetimeFigureOut">
               <a:rPr lang="es-419" smtClean="0"/>
-              <a:t>19/9/2020</a:t>
+              <a:t>25/9/20</a:t>
             </a:fld>
             <a:endParaRPr lang="es-419"/>
           </a:p>
@@ -3011,7 +3012,7 @@
           <a:p>
             <a:fld id="{EC811658-D927-467F-B011-51104F8BCF61}" type="slidenum">
               <a:rPr lang="es-419" smtClean="0"/>
-              <a:t>‹Nº›</a:t>
+              <a:t>‹#›</a:t>
             </a:fld>
             <a:endParaRPr lang="es-419"/>
           </a:p>
@@ -3216,7 +3217,7 @@
           <a:p>
             <a:fld id="{3879AECE-A368-4EAB-B957-94611AB53746}" type="datetimeFigureOut">
               <a:rPr lang="es-419" smtClean="0"/>
-              <a:t>19/9/2020</a:t>
+              <a:t>25/9/20</a:t>
             </a:fld>
             <a:endParaRPr lang="es-419"/>
           </a:p>
@@ -3345,7 +3346,7 @@
           <a:p>
             <a:fld id="{EC811658-D927-467F-B011-51104F8BCF61}" type="slidenum">
               <a:rPr lang="es-419" smtClean="0"/>
-              <a:t>‹Nº›</a:t>
+              <a:t>‹#›</a:t>
             </a:fld>
             <a:endParaRPr lang="es-419"/>
           </a:p>
@@ -3539,7 +3540,7 @@
           <a:p>
             <a:fld id="{3879AECE-A368-4EAB-B957-94611AB53746}" type="datetimeFigureOut">
               <a:rPr lang="es-419" smtClean="0"/>
-              <a:t>19/9/2020</a:t>
+              <a:t>25/9/20</a:t>
             </a:fld>
             <a:endParaRPr lang="es-419"/>
           </a:p>
@@ -3668,7 +3669,7 @@
           <a:p>
             <a:fld id="{EC811658-D927-467F-B011-51104F8BCF61}" type="slidenum">
               <a:rPr lang="es-419" smtClean="0"/>
-              <a:t>‹Nº›</a:t>
+              <a:t>‹#›</a:t>
             </a:fld>
             <a:endParaRPr lang="es-419"/>
           </a:p>
@@ -3996,7 +3997,7 @@
           <a:p>
             <a:fld id="{3879AECE-A368-4EAB-B957-94611AB53746}" type="datetimeFigureOut">
               <a:rPr lang="es-419" smtClean="0"/>
-              <a:t>19/9/2020</a:t>
+              <a:t>25/9/20</a:t>
             </a:fld>
             <a:endParaRPr lang="es-419"/>
           </a:p>
@@ -4125,7 +4126,7 @@
           <a:p>
             <a:fld id="{EC811658-D927-467F-B011-51104F8BCF61}" type="slidenum">
               <a:rPr lang="es-419" smtClean="0"/>
-              <a:t>‹Nº›</a:t>
+              <a:t>‹#›</a:t>
             </a:fld>
             <a:endParaRPr lang="es-419"/>
           </a:p>
@@ -4201,7 +4202,7 @@
           <a:p>
             <a:fld id="{3879AECE-A368-4EAB-B957-94611AB53746}" type="datetimeFigureOut">
               <a:rPr lang="es-419" smtClean="0"/>
-              <a:t>19/9/2020</a:t>
+              <a:t>25/9/20</a:t>
             </a:fld>
             <a:endParaRPr lang="es-419"/>
           </a:p>
@@ -4325,7 +4326,7 @@
           <a:p>
             <a:fld id="{EC811658-D927-467F-B011-51104F8BCF61}" type="slidenum">
               <a:rPr lang="es-419" smtClean="0"/>
-              <a:t>‹Nº›</a:t>
+              <a:t>‹#›</a:t>
             </a:fld>
             <a:endParaRPr lang="es-419"/>
           </a:p>
@@ -4378,7 +4379,7 @@
           <a:p>
             <a:fld id="{3879AECE-A368-4EAB-B957-94611AB53746}" type="datetimeFigureOut">
               <a:rPr lang="es-419" smtClean="0"/>
-              <a:t>19/9/2020</a:t>
+              <a:t>25/9/20</a:t>
             </a:fld>
             <a:endParaRPr lang="es-419"/>
           </a:p>
@@ -4502,7 +4503,7 @@
           <a:p>
             <a:fld id="{EC811658-D927-467F-B011-51104F8BCF61}" type="slidenum">
               <a:rPr lang="es-419" smtClean="0"/>
-              <a:t>‹Nº›</a:t>
+              <a:t>‹#›</a:t>
             </a:fld>
             <a:endParaRPr lang="es-419"/>
           </a:p>
@@ -4711,7 +4712,7 @@
           <a:p>
             <a:fld id="{3879AECE-A368-4EAB-B957-94611AB53746}" type="datetimeFigureOut">
               <a:rPr lang="es-419" smtClean="0"/>
-              <a:t>19/9/2020</a:t>
+              <a:t>25/9/20</a:t>
             </a:fld>
             <a:endParaRPr lang="es-419"/>
           </a:p>
@@ -4835,7 +4836,7 @@
           <a:p>
             <a:fld id="{EC811658-D927-467F-B011-51104F8BCF61}" type="slidenum">
               <a:rPr lang="es-419" smtClean="0"/>
-              <a:t>‹Nº›</a:t>
+              <a:t>‹#›</a:t>
             </a:fld>
             <a:endParaRPr lang="es-419"/>
           </a:p>
@@ -5056,7 +5057,7 @@
           <a:p>
             <a:fld id="{3879AECE-A368-4EAB-B957-94611AB53746}" type="datetimeFigureOut">
               <a:rPr lang="es-419" smtClean="0"/>
-              <a:t>19/9/2020</a:t>
+              <a:t>25/9/20</a:t>
             </a:fld>
             <a:endParaRPr lang="es-419"/>
           </a:p>
@@ -5185,7 +5186,7 @@
           <a:p>
             <a:fld id="{EC811658-D927-467F-B011-51104F8BCF61}" type="slidenum">
               <a:rPr lang="es-419" smtClean="0"/>
-              <a:t>‹Nº›</a:t>
+              <a:t>‹#›</a:t>
             </a:fld>
             <a:endParaRPr lang="es-419"/>
           </a:p>
@@ -7173,7 +7174,7 @@
           <a:p>
             <a:fld id="{3879AECE-A368-4EAB-B957-94611AB53746}" type="datetimeFigureOut">
               <a:rPr lang="es-419" smtClean="0"/>
-              <a:t>19/9/2020</a:t>
+              <a:t>25/9/20</a:t>
             </a:fld>
             <a:endParaRPr lang="es-419"/>
           </a:p>
@@ -7249,7 +7250,7 @@
           <a:p>
             <a:fld id="{EC811658-D927-467F-B011-51104F8BCF61}" type="slidenum">
               <a:rPr lang="es-419" smtClean="0"/>
-              <a:t>‹Nº›</a:t>
+              <a:t>‹#›</a:t>
             </a:fld>
             <a:endParaRPr lang="es-419"/>
           </a:p>
@@ -8228,6 +8229,274 @@
       </p:grpSpPr>
       <p:sp>
         <p:nvSpPr>
+          <p:cNvPr id="2" name="Title 1">
+            <a:extLst>
+              <a:ext uri="{FF2B5EF4-FFF2-40B4-BE49-F238E27FC236}">
+                <a16:creationId xmlns:a16="http://schemas.microsoft.com/office/drawing/2014/main" id="{877831AC-2BCE-754B-A4F8-13A4EE39767F}"/>
+              </a:ext>
+            </a:extLst>
+          </p:cNvPr>
+          <p:cNvSpPr>
+            <a:spLocks noGrp="1"/>
+          </p:cNvSpPr>
+          <p:nvPr>
+            <p:ph type="title"/>
+          </p:nvPr>
+        </p:nvSpPr>
+        <p:spPr/>
+        <p:txBody>
+          <a:bodyPr/>
+          <a:lstStyle/>
+          <a:p>
+            <a:r>
+              <a:rPr lang="en-CO" dirty="0"/>
+              <a:t>Patron  MVC</a:t>
+            </a:r>
+          </a:p>
+        </p:txBody>
+      </p:sp>
+      <p:pic>
+        <p:nvPicPr>
+          <p:cNvPr id="1026" name="Picture 2">
+            <a:extLst>
+              <a:ext uri="{FF2B5EF4-FFF2-40B4-BE49-F238E27FC236}">
+                <a16:creationId xmlns:a16="http://schemas.microsoft.com/office/drawing/2014/main" id="{516EB523-973E-F94E-B8CF-E99C738A58CC}"/>
+              </a:ext>
+            </a:extLst>
+          </p:cNvPr>
+          <p:cNvPicPr>
+            <a:picLocks noGrp="1" noChangeAspect="1" noChangeArrowheads="1"/>
+          </p:cNvPicPr>
+          <p:nvPr>
+            <p:ph idx="1"/>
+          </p:nvPr>
+        </p:nvPicPr>
+        <p:blipFill>
+          <a:blip r:embed="rId2">
+            <a:extLst>
+              <a:ext uri="{28A0092B-C50C-407E-A947-70E740481C1C}">
+                <a14:useLocalDpi xmlns:a14="http://schemas.microsoft.com/office/drawing/2010/main" val="0"/>
+              </a:ext>
+            </a:extLst>
+          </a:blip>
+          <a:srcRect/>
+          <a:stretch>
+            <a:fillRect/>
+          </a:stretch>
+        </p:blipFill>
+        <p:spPr bwMode="auto">
+          <a:xfrm>
+            <a:off x="2082475" y="1905000"/>
+            <a:ext cx="5656058" cy="3157008"/>
+          </a:xfrm>
+          <a:prstGeom prst="rect">
+            <a:avLst/>
+          </a:prstGeom>
+          <a:noFill/>
+          <a:extLst>
+            <a:ext uri="{909E8E84-426E-40DD-AFC4-6F175D3DCCD1}">
+              <a14:hiddenFill xmlns:a14="http://schemas.microsoft.com/office/drawing/2010/main">
+                <a:solidFill>
+                  <a:srgbClr val="FFFFFF"/>
+                </a:solidFill>
+              </a14:hiddenFill>
+            </a:ext>
+          </a:extLst>
+        </p:spPr>
+      </p:pic>
+      <p:sp>
+        <p:nvSpPr>
+          <p:cNvPr id="4" name="Rectangle 3">
+            <a:extLst>
+              <a:ext uri="{FF2B5EF4-FFF2-40B4-BE49-F238E27FC236}">
+                <a16:creationId xmlns:a16="http://schemas.microsoft.com/office/drawing/2014/main" id="{01FFD78C-EA1F-3747-9F17-E2128480FE62}"/>
+              </a:ext>
+            </a:extLst>
+          </p:cNvPr>
+          <p:cNvSpPr/>
+          <p:nvPr/>
+        </p:nvSpPr>
+        <p:spPr>
+          <a:xfrm>
+            <a:off x="6939491" y="350155"/>
+            <a:ext cx="4565121" cy="3416320"/>
+          </a:xfrm>
+          <a:prstGeom prst="rect">
+            <a:avLst/>
+          </a:prstGeom>
+        </p:spPr>
+        <p:txBody>
+          <a:bodyPr wrap="square">
+            <a:spAutoFit/>
+          </a:bodyPr>
+          <a:lstStyle/>
+          <a:p>
+            <a:r>
+              <a:rPr lang="en-US" sz="2400" dirty="0"/>
+              <a:t>Propone la </a:t>
+            </a:r>
+            <a:r>
+              <a:rPr lang="en-US" sz="2400" dirty="0" err="1"/>
+              <a:t>construcción</a:t>
+            </a:r>
+            <a:r>
+              <a:rPr lang="en-US" sz="2400" dirty="0"/>
+              <a:t> de </a:t>
+            </a:r>
+            <a:r>
+              <a:rPr lang="en-US" sz="2400" dirty="0" err="1"/>
+              <a:t>tres</a:t>
+            </a:r>
+            <a:r>
+              <a:rPr lang="en-US" sz="2400" dirty="0"/>
+              <a:t> </a:t>
+            </a:r>
+            <a:r>
+              <a:rPr lang="en-US" sz="2400" dirty="0">
+                <a:hlinkClick r:id="rId3" tooltip="Componente de software"/>
+              </a:rPr>
+              <a:t>componentes</a:t>
+            </a:r>
+            <a:r>
+              <a:rPr lang="en-US" sz="2400" dirty="0"/>
+              <a:t> </a:t>
+            </a:r>
+            <a:r>
+              <a:rPr lang="en-US" sz="2400" dirty="0" err="1"/>
+              <a:t>distintos</a:t>
+            </a:r>
+            <a:r>
+              <a:rPr lang="en-US" sz="2400" dirty="0"/>
+              <a:t> que son el </a:t>
+            </a:r>
+            <a:r>
+              <a:rPr lang="en-US" sz="2400" b="1" dirty="0" err="1"/>
+              <a:t>modelo</a:t>
+            </a:r>
+            <a:r>
+              <a:rPr lang="en-US" sz="2400" dirty="0"/>
+              <a:t>, la </a:t>
+            </a:r>
+            <a:r>
+              <a:rPr lang="en-US" sz="2400" b="1" dirty="0"/>
+              <a:t>vista</a:t>
+            </a:r>
+            <a:r>
+              <a:rPr lang="en-US" sz="2400" dirty="0"/>
+              <a:t> y el </a:t>
+            </a:r>
+            <a:r>
+              <a:rPr lang="en-US" sz="2400" b="1" dirty="0" err="1"/>
+              <a:t>controlador</a:t>
+            </a:r>
+            <a:r>
+              <a:rPr lang="en-US" sz="2400" dirty="0"/>
+              <a:t>, es </a:t>
+            </a:r>
+            <a:r>
+              <a:rPr lang="en-US" sz="2400" dirty="0" err="1"/>
+              <a:t>decir</a:t>
+            </a:r>
+            <a:r>
+              <a:rPr lang="en-US" sz="2400" dirty="0"/>
+              <a:t>, por un </a:t>
+            </a:r>
+            <a:r>
+              <a:rPr lang="en-US" sz="2400" dirty="0" err="1"/>
+              <a:t>lado</a:t>
+            </a:r>
+            <a:r>
+              <a:rPr lang="en-US" sz="2400" dirty="0"/>
+              <a:t> define </a:t>
+            </a:r>
+            <a:r>
+              <a:rPr lang="en-US" sz="2400" dirty="0" err="1"/>
+              <a:t>componentes</a:t>
+            </a:r>
+            <a:r>
+              <a:rPr lang="en-US" sz="2400" dirty="0"/>
+              <a:t> para la </a:t>
+            </a:r>
+            <a:r>
+              <a:rPr lang="en-US" sz="2400" dirty="0" err="1"/>
+              <a:t>representación</a:t>
+            </a:r>
+            <a:r>
+              <a:rPr lang="en-US" sz="2400" dirty="0"/>
+              <a:t> de la </a:t>
+            </a:r>
+            <a:r>
+              <a:rPr lang="en-US" sz="2400" dirty="0" err="1"/>
+              <a:t>información</a:t>
+            </a:r>
+            <a:r>
+              <a:rPr lang="en-US" sz="2400" dirty="0"/>
+              <a:t>, y por </a:t>
+            </a:r>
+            <a:r>
+              <a:rPr lang="en-US" sz="2400" dirty="0" err="1"/>
+              <a:t>otro</a:t>
+            </a:r>
+            <a:r>
+              <a:rPr lang="en-US" sz="2400" dirty="0"/>
+              <a:t> </a:t>
+            </a:r>
+            <a:r>
+              <a:rPr lang="en-US" sz="2400" dirty="0" err="1"/>
+              <a:t>lado</a:t>
+            </a:r>
+            <a:r>
+              <a:rPr lang="en-US" sz="2400" dirty="0"/>
+              <a:t> para la </a:t>
+            </a:r>
+            <a:r>
+              <a:rPr lang="en-US" sz="2400" dirty="0" err="1"/>
+              <a:t>interacción</a:t>
+            </a:r>
+            <a:r>
+              <a:rPr lang="en-US" sz="2400" dirty="0"/>
+              <a:t> del </a:t>
+            </a:r>
+            <a:r>
+              <a:rPr lang="en-US" sz="2400" dirty="0" err="1"/>
+              <a:t>usuario</a:t>
+            </a:r>
+            <a:endParaRPr lang="en-CO" sz="2400" dirty="0"/>
+          </a:p>
+        </p:txBody>
+      </p:sp>
+    </p:spTree>
+    <p:extLst>
+      <p:ext uri="{BB962C8B-B14F-4D97-AF65-F5344CB8AC3E}">
+        <p14:creationId xmlns:p14="http://schemas.microsoft.com/office/powerpoint/2010/main" val="95936815"/>
+      </p:ext>
+    </p:extLst>
+  </p:cSld>
+  <p:clrMapOvr>
+    <a:masterClrMapping/>
+  </p:clrMapOvr>
+</p:sld>
+</file>
+
+<file path=ppt/slides/slide16.xml><?xml version="1.0" encoding="utf-8"?>
+<p:sld xmlns:a="http://schemas.openxmlformats.org/drawingml/2006/main" xmlns:r="http://schemas.openxmlformats.org/officeDocument/2006/relationships" xmlns:p="http://schemas.openxmlformats.org/presentationml/2006/main">
+  <p:cSld>
+    <p:spTree>
+      <p:nvGrpSpPr>
+        <p:cNvPr id="1" name=""/>
+        <p:cNvGrpSpPr/>
+        <p:nvPr/>
+      </p:nvGrpSpPr>
+      <p:grpSpPr>
+        <a:xfrm>
+          <a:off x="0" y="0"/>
+          <a:ext cx="0" cy="0"/>
+          <a:chOff x="0" y="0"/>
+          <a:chExt cx="0" cy="0"/>
+        </a:xfrm>
+      </p:grpSpPr>
+      <p:sp>
+        <p:nvSpPr>
           <p:cNvPr id="2" name="Título 1">
             <a:extLst>
               <a:ext uri="{FF2B5EF4-FFF2-40B4-BE49-F238E27FC236}">
@@ -8309,7 +8578,7 @@
 </p:sld>
 </file>
 
-<file path=ppt/slides/slide16.xml><?xml version="1.0" encoding="utf-8"?>
+<file path=ppt/slides/slide17.xml><?xml version="1.0" encoding="utf-8"?>
 <p:sld xmlns:a="http://schemas.openxmlformats.org/drawingml/2006/main" xmlns:r="http://schemas.openxmlformats.org/officeDocument/2006/relationships" xmlns:p="http://schemas.openxmlformats.org/presentationml/2006/main">
   <p:cSld>
     <p:spTree>

--- a/Documentos/RNF.pptx
+++ b/Documentos/RNF.pptx
@@ -7739,12 +7739,40 @@
         </p:nvSpPr>
         <p:spPr/>
         <p:txBody>
-          <a:bodyPr/>
+          <a:bodyPr>
+            <a:normAutofit fontScale="70000" lnSpcReduction="20000"/>
+          </a:bodyPr>
           <a:lstStyle/>
           <a:p>
             <a:r>
               <a:rPr lang="es-ES" dirty="0"/>
-              <a:t>Por: Astrid Carolina Díaz Gómez</a:t>
+              <a:t>Por: </a:t>
+            </a:r>
+          </a:p>
+          <a:p>
+            <a:r>
+              <a:rPr lang="es-ES" dirty="0"/>
+              <a:t>Astrid Carolina Díaz Gómez</a:t>
+            </a:r>
+          </a:p>
+          <a:p>
+            <a:r>
+              <a:rPr lang="es-ES" dirty="0"/>
+              <a:t>Cristian Higuita</a:t>
+            </a:r>
+          </a:p>
+          <a:p>
+            <a:r>
+              <a:rPr lang="es-ES" dirty="0"/>
+              <a:t>Luis Carlos </a:t>
+            </a:r>
+            <a:r>
+              <a:rPr lang="es-ES" dirty="0" err="1"/>
+              <a:t>Marin</a:t>
+            </a:r>
+            <a:r>
+              <a:rPr lang="es-ES" dirty="0"/>
+              <a:t> Campos</a:t>
             </a:r>
             <a:endParaRPr lang="es-419" dirty="0"/>
           </a:p>

--- a/Documentos/RNF.pptx
+++ b/Documentos/RNF.pptx
@@ -315,7 +315,7 @@
           <a:p>
             <a:fld id="{3879AECE-A368-4EAB-B957-94611AB53746}" type="datetimeFigureOut">
               <a:rPr lang="es-419" smtClean="0"/>
-              <a:t>19/9/2020</a:t>
+              <a:t>3/10/2020</a:t>
             </a:fld>
             <a:endParaRPr lang="es-419"/>
           </a:p>
@@ -653,7 +653,7 @@
           <a:p>
             <a:fld id="{3879AECE-A368-4EAB-B957-94611AB53746}" type="datetimeFigureOut">
               <a:rPr lang="es-419" smtClean="0"/>
-              <a:t>19/9/2020</a:t>
+              <a:t>3/10/2020</a:t>
             </a:fld>
             <a:endParaRPr lang="es-419"/>
           </a:p>
@@ -1054,7 +1054,7 @@
           <a:p>
             <a:fld id="{3879AECE-A368-4EAB-B957-94611AB53746}" type="datetimeFigureOut">
               <a:rPr lang="es-419" smtClean="0"/>
-              <a:t>19/9/2020</a:t>
+              <a:t>3/10/2020</a:t>
             </a:fld>
             <a:endParaRPr lang="es-419"/>
           </a:p>
@@ -1390,7 +1390,7 @@
           <a:p>
             <a:fld id="{3879AECE-A368-4EAB-B957-94611AB53746}" type="datetimeFigureOut">
               <a:rPr lang="es-419" smtClean="0"/>
-              <a:t>19/9/2020</a:t>
+              <a:t>3/10/2020</a:t>
             </a:fld>
             <a:endParaRPr lang="es-419"/>
           </a:p>
@@ -1710,7 +1710,7 @@
           <a:p>
             <a:fld id="{3879AECE-A368-4EAB-B957-94611AB53746}" type="datetimeFigureOut">
               <a:rPr lang="es-419" smtClean="0"/>
-              <a:t>19/9/2020</a:t>
+              <a:t>3/10/2020</a:t>
             </a:fld>
             <a:endParaRPr lang="es-419"/>
           </a:p>
@@ -2106,7 +2106,7 @@
           <a:p>
             <a:fld id="{3879AECE-A368-4EAB-B957-94611AB53746}" type="datetimeFigureOut">
               <a:rPr lang="es-419" smtClean="0"/>
-              <a:t>19/9/2020</a:t>
+              <a:t>3/10/2020</a:t>
             </a:fld>
             <a:endParaRPr lang="es-419"/>
           </a:p>
@@ -2363,7 +2363,7 @@
           <a:p>
             <a:fld id="{3879AECE-A368-4EAB-B957-94611AB53746}" type="datetimeFigureOut">
               <a:rPr lang="es-419" smtClean="0"/>
-              <a:t>19/9/2020</a:t>
+              <a:t>3/10/2020</a:t>
             </a:fld>
             <a:endParaRPr lang="es-419"/>
           </a:p>
@@ -2625,7 +2625,7 @@
           <a:p>
             <a:fld id="{3879AECE-A368-4EAB-B957-94611AB53746}" type="datetimeFigureOut">
               <a:rPr lang="es-419" smtClean="0"/>
-              <a:t>19/9/2020</a:t>
+              <a:t>3/10/2020</a:t>
             </a:fld>
             <a:endParaRPr lang="es-419"/>
           </a:p>
@@ -2887,7 +2887,7 @@
           <a:p>
             <a:fld id="{3879AECE-A368-4EAB-B957-94611AB53746}" type="datetimeFigureOut">
               <a:rPr lang="es-419" smtClean="0"/>
-              <a:t>19/9/2020</a:t>
+              <a:t>3/10/2020</a:t>
             </a:fld>
             <a:endParaRPr lang="es-419"/>
           </a:p>
@@ -3216,7 +3216,7 @@
           <a:p>
             <a:fld id="{3879AECE-A368-4EAB-B957-94611AB53746}" type="datetimeFigureOut">
               <a:rPr lang="es-419" smtClean="0"/>
-              <a:t>19/9/2020</a:t>
+              <a:t>3/10/2020</a:t>
             </a:fld>
             <a:endParaRPr lang="es-419"/>
           </a:p>
@@ -3539,7 +3539,7 @@
           <a:p>
             <a:fld id="{3879AECE-A368-4EAB-B957-94611AB53746}" type="datetimeFigureOut">
               <a:rPr lang="es-419" smtClean="0"/>
-              <a:t>19/9/2020</a:t>
+              <a:t>3/10/2020</a:t>
             </a:fld>
             <a:endParaRPr lang="es-419"/>
           </a:p>
@@ -3996,7 +3996,7 @@
           <a:p>
             <a:fld id="{3879AECE-A368-4EAB-B957-94611AB53746}" type="datetimeFigureOut">
               <a:rPr lang="es-419" smtClean="0"/>
-              <a:t>19/9/2020</a:t>
+              <a:t>3/10/2020</a:t>
             </a:fld>
             <a:endParaRPr lang="es-419"/>
           </a:p>
@@ -4201,7 +4201,7 @@
           <a:p>
             <a:fld id="{3879AECE-A368-4EAB-B957-94611AB53746}" type="datetimeFigureOut">
               <a:rPr lang="es-419" smtClean="0"/>
-              <a:t>19/9/2020</a:t>
+              <a:t>3/10/2020</a:t>
             </a:fld>
             <a:endParaRPr lang="es-419"/>
           </a:p>
@@ -4378,7 +4378,7 @@
           <a:p>
             <a:fld id="{3879AECE-A368-4EAB-B957-94611AB53746}" type="datetimeFigureOut">
               <a:rPr lang="es-419" smtClean="0"/>
-              <a:t>19/9/2020</a:t>
+              <a:t>3/10/2020</a:t>
             </a:fld>
             <a:endParaRPr lang="es-419"/>
           </a:p>
@@ -4711,7 +4711,7 @@
           <a:p>
             <a:fld id="{3879AECE-A368-4EAB-B957-94611AB53746}" type="datetimeFigureOut">
               <a:rPr lang="es-419" smtClean="0"/>
-              <a:t>19/9/2020</a:t>
+              <a:t>3/10/2020</a:t>
             </a:fld>
             <a:endParaRPr lang="es-419"/>
           </a:p>
@@ -5056,7 +5056,7 @@
           <a:p>
             <a:fld id="{3879AECE-A368-4EAB-B957-94611AB53746}" type="datetimeFigureOut">
               <a:rPr lang="es-419" smtClean="0"/>
-              <a:t>19/9/2020</a:t>
+              <a:t>3/10/2020</a:t>
             </a:fld>
             <a:endParaRPr lang="es-419"/>
           </a:p>
@@ -7173,7 +7173,7 @@
           <a:p>
             <a:fld id="{3879AECE-A368-4EAB-B957-94611AB53746}" type="datetimeFigureOut">
               <a:rPr lang="es-419" smtClean="0"/>
-              <a:t>19/9/2020</a:t>
+              <a:t>3/10/2020</a:t>
             </a:fld>
             <a:endParaRPr lang="es-419"/>
           </a:p>
@@ -9139,8 +9139,16 @@
           </a:xfrm>
         </p:spPr>
         <p:txBody>
-          <a:bodyPr/>
+          <a:bodyPr>
+            <a:normAutofit fontScale="92500" lnSpcReduction="10000"/>
+          </a:bodyPr>
           <a:lstStyle/>
+          <a:p>
+            <a:r>
+              <a:rPr lang="es-419" dirty="0"/>
+              <a:t>Garantizar que la información es accesible sólo para aquellos autorizados a tener acceso</a:t>
+            </a:r>
+          </a:p>
           <a:p>
             <a:r>
               <a:rPr lang="es-419" dirty="0"/>
@@ -9293,7 +9301,7 @@
           <a:p>
             <a:r>
               <a:rPr lang="es-419" dirty="0"/>
-              <a:t>Se define un sistema distribuido como aquel en el que los componentes de hardware, localizados en computadores unidos mediante una red, comunican y coordinan sus acciones solo mediante el paso de mensajes.</a:t>
+              <a:t>Su objetivo es descentralizar tanto el almacenamiento de la información como el procesamiento. “Divide y vencerás”</a:t>
             </a:r>
           </a:p>
           <a:p>
@@ -9323,8 +9331,8 @@
         </p:blipFill>
         <p:spPr>
           <a:xfrm>
-            <a:off x="3967314" y="3988742"/>
-            <a:ext cx="4557369" cy="2355371"/>
+            <a:off x="3967314" y="3770450"/>
+            <a:ext cx="4979738" cy="2573663"/>
           </a:xfrm>
           <a:prstGeom prst="rect">
             <a:avLst/>

--- a/Documentos/RNF.pptx
+++ b/Documentos/RNF.pptx
@@ -7743,8 +7743,22 @@
           <a:p>
             <a:r>
               <a:rPr lang="es-ES" dirty="0"/>
-              <a:t>Por: Astrid Carolina Díaz Gómez</a:t>
-            </a:r>
+              <a:t>Por: Astrid Carolina Díaz Gómez, </a:t>
+            </a:r>
+            <a:r>
+              <a:rPr lang="es-419" dirty="0"/>
+              <a:t>Andrés </a:t>
+            </a:r>
+            <a:r>
+              <a:rPr lang="es-419" dirty="0" err="1"/>
+              <a:t>Dario</a:t>
+            </a:r>
+            <a:r>
+              <a:rPr lang="es-419" dirty="0"/>
+              <a:t> Higuita Pérez  y Luis Carlos Marín Campos</a:t>
+            </a:r>
+          </a:p>
+          <a:p>
             <a:endParaRPr lang="es-419" dirty="0"/>
           </a:p>
         </p:txBody>
